--- a/slides/Lecture01.pptx
+++ b/slides/Lecture01.pptx
@@ -226,7 +226,7 @@
           <a:p>
             <a:fld id="{9B76BEED-DF9C-1A44-AA9A-E917AAEDB26F}" type="datetimeFigureOut">
               <a:rPr lang="en-US" smtClean="0"/>
-              <a:t>1/24/17</a:t>
+              <a:t>8/30/18</a:t>
             </a:fld>
             <a:endParaRPr lang="en-US"/>
           </a:p>
@@ -392,7 +392,7 @@
           <a:p>
             <a:fld id="{21727DB9-44F7-CE42-9AB8-318282F70AED}" type="datetimeFigureOut">
               <a:rPr lang="en-US" smtClean="0"/>
-              <a:t>1/24/17</a:t>
+              <a:t>8/30/18</a:t>
             </a:fld>
             <a:endParaRPr lang="en-US"/>
           </a:p>
@@ -1249,7 +1249,7 @@
           <a:p>
             <a:fld id="{549D252B-7345-8144-8F9A-ABB79F1851FE}" type="datetime1">
               <a:rPr lang="en-US" smtClean="0"/>
-              <a:t>1/24/17</a:t>
+              <a:t>8/30/18</a:t>
             </a:fld>
             <a:endParaRPr lang="en-US"/>
           </a:p>
@@ -1431,7 +1431,7 @@
           <a:p>
             <a:fld id="{E529FCCE-2F91-7C41-86D6-AC9BED4671BF}" type="datetime1">
               <a:rPr lang="en-US" smtClean="0"/>
-              <a:t>1/24/17</a:t>
+              <a:t>8/30/18</a:t>
             </a:fld>
             <a:endParaRPr lang="en-US"/>
           </a:p>
@@ -1618,7 +1618,7 @@
           <a:p>
             <a:fld id="{9E7D573D-20C5-184D-9B03-E5525C0E7E32}" type="datetime1">
               <a:rPr lang="en-US" smtClean="0"/>
-              <a:t>1/24/17</a:t>
+              <a:t>8/30/18</a:t>
             </a:fld>
             <a:endParaRPr lang="en-US"/>
           </a:p>
@@ -1774,7 +1774,7 @@
           <a:p>
             <a:fld id="{C94E3762-5D8A-3A4E-B6DB-2FE9B8FB070F}" type="datetime1">
               <a:rPr lang="en-US" smtClean="0"/>
-              <a:t>1/24/17</a:t>
+              <a:t>8/30/18</a:t>
             </a:fld>
             <a:endParaRPr lang="en-US"/>
           </a:p>
@@ -2061,7 +2061,7 @@
           <a:p>
             <a:fld id="{8FEE05CB-9CD5-1641-8EE4-7B0D389DF2E1}" type="datetime1">
               <a:rPr lang="en-US" smtClean="0"/>
-              <a:t>1/24/17</a:t>
+              <a:t>8/30/18</a:t>
             </a:fld>
             <a:endParaRPr lang="en-US"/>
           </a:p>
@@ -2361,7 +2361,7 @@
           <a:p>
             <a:fld id="{CC27B479-481C-0642-A01B-8E9ECFB0A50B}" type="datetime1">
               <a:rPr lang="en-US" smtClean="0"/>
-              <a:t>1/24/17</a:t>
+              <a:t>8/30/18</a:t>
             </a:fld>
             <a:endParaRPr lang="en-US"/>
           </a:p>
@@ -2795,7 +2795,7 @@
           <a:p>
             <a:fld id="{A9CBBE0B-156A-1244-BB26-BBA0825504CD}" type="datetime1">
               <a:rPr lang="en-US" smtClean="0"/>
-              <a:t>1/24/17</a:t>
+              <a:t>8/30/18</a:t>
             </a:fld>
             <a:endParaRPr lang="en-US"/>
           </a:p>
@@ -2925,7 +2925,7 @@
           <a:p>
             <a:fld id="{5F3E6B35-BB65-EB4D-8E44-86A13F297D4C}" type="datetime1">
               <a:rPr lang="en-US" smtClean="0"/>
-              <a:t>1/24/17</a:t>
+              <a:t>8/30/18</a:t>
             </a:fld>
             <a:endParaRPr lang="en-US"/>
           </a:p>
@@ -3023,7 +3023,7 @@
           <a:p>
             <a:fld id="{52ABBB52-D186-264B-B6B8-688F4CAB6400}" type="datetime1">
               <a:rPr lang="en-US" smtClean="0"/>
-              <a:t>1/24/17</a:t>
+              <a:t>8/30/18</a:t>
             </a:fld>
             <a:endParaRPr lang="en-US"/>
           </a:p>
@@ -3306,7 +3306,7 @@
           <a:p>
             <a:fld id="{436392F3-A628-D24C-9172-815518AABAE1}" type="datetime1">
               <a:rPr lang="en-US" smtClean="0"/>
-              <a:t>1/24/17</a:t>
+              <a:t>8/30/18</a:t>
             </a:fld>
             <a:endParaRPr lang="en-US"/>
           </a:p>
@@ -3566,7 +3566,7 @@
           <a:p>
             <a:fld id="{72D1C39B-833B-E84D-8BED-7A5123F06213}" type="datetime1">
               <a:rPr lang="en-US" smtClean="0"/>
-              <a:t>1/24/17</a:t>
+              <a:t>8/30/18</a:t>
             </a:fld>
             <a:endParaRPr lang="en-US"/>
           </a:p>
@@ -3750,7 +3750,7 @@
           <a:p>
             <a:fld id="{7936155B-A5EC-DF45-BCFD-65C03B6585EE}" type="datetime1">
               <a:rPr lang="en-US" smtClean="0"/>
-              <a:t>1/24/17</a:t>
+              <a:t>8/30/18</a:t>
             </a:fld>
             <a:endParaRPr lang="en-US"/>
           </a:p>
@@ -4521,7 +4521,15 @@
             </a:pPr>
             <a:r>
               <a:rPr lang="en-US" dirty="0" smtClean="0"/>
-              <a:t>Instructor: Yong Chen, Ph.D.</a:t>
+              <a:t>Instructor</a:t>
+            </a:r>
+            <a:r>
+              <a:rPr lang="en-US" smtClean="0"/>
+              <a:t>: Tommy Dang, </a:t>
+            </a:r>
+            <a:r>
+              <a:rPr lang="en-US" dirty="0" smtClean="0"/>
+              <a:t>Ph.D.</a:t>
             </a:r>
           </a:p>
           <a:p>
@@ -4663,7 +4671,7 @@
           <a:p>
             <a:fld id="{C94E3762-5D8A-3A4E-B6DB-2FE9B8FB070F}" type="datetime1">
               <a:rPr lang="en-US" smtClean="0"/>
-              <a:t>1/24/17</a:t>
+              <a:t>8/30/18</a:t>
             </a:fld>
             <a:endParaRPr lang="en-US"/>
           </a:p>
@@ -4951,7 +4959,7 @@
           <a:p>
             <a:fld id="{C94E3762-5D8A-3A4E-B6DB-2FE9B8FB070F}" type="datetime1">
               <a:rPr lang="en-US" smtClean="0"/>
-              <a:t>1/24/17</a:t>
+              <a:t>8/30/18</a:t>
             </a:fld>
             <a:endParaRPr lang="en-US"/>
           </a:p>
@@ -5123,7 +5131,7 @@
           <a:p>
             <a:fld id="{C94E3762-5D8A-3A4E-B6DB-2FE9B8FB070F}" type="datetime1">
               <a:rPr lang="en-US" smtClean="0"/>
-              <a:t>1/24/17</a:t>
+              <a:t>8/30/18</a:t>
             </a:fld>
             <a:endParaRPr lang="en-US"/>
           </a:p>
@@ -5553,7 +5561,7 @@
           <a:p>
             <a:fld id="{C94E3762-5D8A-3A4E-B6DB-2FE9B8FB070F}" type="datetime1">
               <a:rPr lang="en-US" smtClean="0"/>
-              <a:t>1/24/17</a:t>
+              <a:t>8/30/18</a:t>
             </a:fld>
             <a:endParaRPr lang="en-US"/>
           </a:p>
@@ -5857,7 +5865,7 @@
           <a:p>
             <a:fld id="{C94E3762-5D8A-3A4E-B6DB-2FE9B8FB070F}" type="datetime1">
               <a:rPr lang="en-US" smtClean="0"/>
-              <a:t>1/24/17</a:t>
+              <a:t>8/30/18</a:t>
             </a:fld>
             <a:endParaRPr lang="en-US"/>
           </a:p>
@@ -6034,7 +6042,7 @@
           <a:p>
             <a:fld id="{52ABBB52-D186-264B-B6B8-688F4CAB6400}" type="datetime1">
               <a:rPr lang="en-US" smtClean="0"/>
-              <a:t>1/24/17</a:t>
+              <a:t>8/30/18</a:t>
             </a:fld>
             <a:endParaRPr lang="en-US"/>
           </a:p>
@@ -6353,7 +6361,7 @@
           <a:p>
             <a:fld id="{C94E3762-5D8A-3A4E-B6DB-2FE9B8FB070F}" type="datetime1">
               <a:rPr lang="en-US" smtClean="0"/>
-              <a:t>1/24/17</a:t>
+              <a:t>8/30/18</a:t>
             </a:fld>
             <a:endParaRPr lang="en-US"/>
           </a:p>
@@ -6675,7 +6683,7 @@
             <a:fld id="{B285D606-07C9-4377-8BCC-D1AA89865C97}" type="datetime1">
               <a:rPr lang="en-US" altLang="zh-CN" smtClean="0"/>
               <a:pPr/>
-              <a:t>1/24/17</a:t>
+              <a:t>8/30/18</a:t>
             </a:fld>
             <a:endParaRPr lang="en-US"/>
           </a:p>
@@ -7016,7 +7024,7 @@
             <a:fld id="{3175516F-F2A2-47C5-9741-85CE8E25E4A5}" type="datetime1">
               <a:rPr lang="en-US" altLang="zh-CN" smtClean="0"/>
               <a:pPr/>
-              <a:t>1/24/17</a:t>
+              <a:t>8/30/18</a:t>
             </a:fld>
             <a:endParaRPr lang="en-US"/>
           </a:p>
@@ -7196,7 +7204,7 @@
           <a:p>
             <a:fld id="{52ABBB52-D186-264B-B6B8-688F4CAB6400}" type="datetime1">
               <a:rPr lang="en-US" smtClean="0"/>
-              <a:t>1/24/17</a:t>
+              <a:t>8/30/18</a:t>
             </a:fld>
             <a:endParaRPr lang="en-US"/>
           </a:p>
@@ -7380,15 +7388,7 @@
                   <a:srgbClr val="0000FF"/>
                 </a:solidFill>
               </a:rPr>
-              <a:t>A </a:t>
-            </a:r>
-            <a:r>
-              <a:rPr lang="en-US" dirty="0" smtClean="0">
-                <a:solidFill>
-                  <a:srgbClr val="0000FF"/>
-                </a:solidFill>
-              </a:rPr>
-              <a:t>simple, high-level abstraction desired</a:t>
+              <a:t>A simple, high-level abstraction desired</a:t>
             </a:r>
           </a:p>
           <a:p>
@@ -7430,7 +7430,7 @@
           <a:p>
             <a:fld id="{52ABBB52-D186-264B-B6B8-688F4CAB6400}" type="datetime1">
               <a:rPr lang="en-US" smtClean="0"/>
-              <a:t>1/24/17</a:t>
+              <a:t>8/30/18</a:t>
             </a:fld>
             <a:endParaRPr lang="en-US"/>
           </a:p>
@@ -7784,7 +7784,7 @@
             <a:fld id="{0FE67AEC-3571-4C6D-B5F9-4C7692607682}" type="datetime1">
               <a:rPr lang="en-US" altLang="zh-CN" smtClean="0"/>
               <a:pPr/>
-              <a:t>1/24/17</a:t>
+              <a:t>8/30/18</a:t>
             </a:fld>
             <a:endParaRPr lang="en-US"/>
           </a:p>
@@ -8104,7 +8104,7 @@
           <a:p>
             <a:fld id="{52ABBB52-D186-264B-B6B8-688F4CAB6400}" type="datetime1">
               <a:rPr lang="en-US" smtClean="0"/>
-              <a:t>1/24/17</a:t>
+              <a:t>8/30/18</a:t>
             </a:fld>
             <a:endParaRPr lang="en-US"/>
           </a:p>
@@ -8365,7 +8365,7 @@
           <a:p>
             <a:fld id="{C94E3762-5D8A-3A4E-B6DB-2FE9B8FB070F}" type="datetime1">
               <a:rPr lang="en-US" smtClean="0"/>
-              <a:t>1/24/17</a:t>
+              <a:t>8/30/18</a:t>
             </a:fld>
             <a:endParaRPr lang="en-US"/>
           </a:p>
@@ -8613,7 +8613,7 @@
           <a:p>
             <a:fld id="{C94E3762-5D8A-3A4E-B6DB-2FE9B8FB070F}" type="datetime1">
               <a:rPr lang="en-US" smtClean="0"/>
-              <a:t>1/24/17</a:t>
+              <a:t>8/30/18</a:t>
             </a:fld>
             <a:endParaRPr lang="en-US"/>
           </a:p>
